--- a/path_planing/VO_code_try/robot_properties.pptx
+++ b/path_planing/VO_code_try/robot_properties.pptx
@@ -105,6 +105,11 @@
       </a:defRPr>
     </a:lvl9pPr>
   </p:defaultTextStyle>
+  <p:extLst>
+    <p:ext uri="{EFAFB233-063F-42B5-8137-9DF3F51BA10A}">
+      <p15:sldGuideLst xmlns:p15="http://schemas.microsoft.com/office/powerpoint/2012/main"/>
+    </p:ext>
+  </p:extLst>
 </p:presentation>
 </file>
 
@@ -255,7 +260,7 @@
           <a:p>
             <a:fld id="{DE3612CD-9713-490C-ACCE-E26AB0B306C7}" type="datetimeFigureOut">
               <a:rPr lang="zh-TW" altLang="en-US" smtClean="0"/>
-              <a:t>2024/2/5</a:t>
+              <a:t>2024/2/6</a:t>
             </a:fld>
             <a:endParaRPr lang="zh-TW" altLang="en-US"/>
           </a:p>
@@ -453,7 +458,7 @@
           <a:p>
             <a:fld id="{DE3612CD-9713-490C-ACCE-E26AB0B306C7}" type="datetimeFigureOut">
               <a:rPr lang="zh-TW" altLang="en-US" smtClean="0"/>
-              <a:t>2024/2/5</a:t>
+              <a:t>2024/2/6</a:t>
             </a:fld>
             <a:endParaRPr lang="zh-TW" altLang="en-US"/>
           </a:p>
@@ -661,7 +666,7 @@
           <a:p>
             <a:fld id="{DE3612CD-9713-490C-ACCE-E26AB0B306C7}" type="datetimeFigureOut">
               <a:rPr lang="zh-TW" altLang="en-US" smtClean="0"/>
-              <a:t>2024/2/5</a:t>
+              <a:t>2024/2/6</a:t>
             </a:fld>
             <a:endParaRPr lang="zh-TW" altLang="en-US"/>
           </a:p>
@@ -859,7 +864,7 @@
           <a:p>
             <a:fld id="{DE3612CD-9713-490C-ACCE-E26AB0B306C7}" type="datetimeFigureOut">
               <a:rPr lang="zh-TW" altLang="en-US" smtClean="0"/>
-              <a:t>2024/2/5</a:t>
+              <a:t>2024/2/6</a:t>
             </a:fld>
             <a:endParaRPr lang="zh-TW" altLang="en-US"/>
           </a:p>
@@ -1134,7 +1139,7 @@
           <a:p>
             <a:fld id="{DE3612CD-9713-490C-ACCE-E26AB0B306C7}" type="datetimeFigureOut">
               <a:rPr lang="zh-TW" altLang="en-US" smtClean="0"/>
-              <a:t>2024/2/5</a:t>
+              <a:t>2024/2/6</a:t>
             </a:fld>
             <a:endParaRPr lang="zh-TW" altLang="en-US"/>
           </a:p>
@@ -1399,7 +1404,7 @@
           <a:p>
             <a:fld id="{DE3612CD-9713-490C-ACCE-E26AB0B306C7}" type="datetimeFigureOut">
               <a:rPr lang="zh-TW" altLang="en-US" smtClean="0"/>
-              <a:t>2024/2/5</a:t>
+              <a:t>2024/2/6</a:t>
             </a:fld>
             <a:endParaRPr lang="zh-TW" altLang="en-US"/>
           </a:p>
@@ -1811,7 +1816,7 @@
           <a:p>
             <a:fld id="{DE3612CD-9713-490C-ACCE-E26AB0B306C7}" type="datetimeFigureOut">
               <a:rPr lang="zh-TW" altLang="en-US" smtClean="0"/>
-              <a:t>2024/2/5</a:t>
+              <a:t>2024/2/6</a:t>
             </a:fld>
             <a:endParaRPr lang="zh-TW" altLang="en-US"/>
           </a:p>
@@ -1952,7 +1957,7 @@
           <a:p>
             <a:fld id="{DE3612CD-9713-490C-ACCE-E26AB0B306C7}" type="datetimeFigureOut">
               <a:rPr lang="zh-TW" altLang="en-US" smtClean="0"/>
-              <a:t>2024/2/5</a:t>
+              <a:t>2024/2/6</a:t>
             </a:fld>
             <a:endParaRPr lang="zh-TW" altLang="en-US"/>
           </a:p>
@@ -2065,7 +2070,7 @@
           <a:p>
             <a:fld id="{DE3612CD-9713-490C-ACCE-E26AB0B306C7}" type="datetimeFigureOut">
               <a:rPr lang="zh-TW" altLang="en-US" smtClean="0"/>
-              <a:t>2024/2/5</a:t>
+              <a:t>2024/2/6</a:t>
             </a:fld>
             <a:endParaRPr lang="zh-TW" altLang="en-US"/>
           </a:p>
@@ -2376,7 +2381,7 @@
           <a:p>
             <a:fld id="{DE3612CD-9713-490C-ACCE-E26AB0B306C7}" type="datetimeFigureOut">
               <a:rPr lang="zh-TW" altLang="en-US" smtClean="0"/>
-              <a:t>2024/2/5</a:t>
+              <a:t>2024/2/6</a:t>
             </a:fld>
             <a:endParaRPr lang="zh-TW" altLang="en-US"/>
           </a:p>
@@ -2664,7 +2669,7 @@
           <a:p>
             <a:fld id="{DE3612CD-9713-490C-ACCE-E26AB0B306C7}" type="datetimeFigureOut">
               <a:rPr lang="zh-TW" altLang="en-US" smtClean="0"/>
-              <a:t>2024/2/5</a:t>
+              <a:t>2024/2/6</a:t>
             </a:fld>
             <a:endParaRPr lang="zh-TW" altLang="en-US"/>
           </a:p>
@@ -2905,7 +2910,7 @@
           <a:p>
             <a:fld id="{DE3612CD-9713-490C-ACCE-E26AB0B306C7}" type="datetimeFigureOut">
               <a:rPr lang="zh-TW" altLang="en-US" smtClean="0"/>
-              <a:t>2024/2/5</a:t>
+              <a:t>2024/2/6</a:t>
             </a:fld>
             <a:endParaRPr lang="zh-TW" altLang="en-US"/>
           </a:p>
@@ -3567,8 +3572,8 @@
             </a:p>
           </p:txBody>
         </p:sp>
-        <mc:AlternateContent xmlns:mc="http://schemas.openxmlformats.org/markup-compatibility/2006">
-          <mc:Choice xmlns:a14="http://schemas.microsoft.com/office/drawing/2010/main" Requires="a14">
+        <mc:AlternateContent xmlns:mc="http://schemas.openxmlformats.org/markup-compatibility/2006" xmlns:a14="http://schemas.microsoft.com/office/drawing/2010/main">
+          <mc:Choice Requires="a14">
             <p:sp>
               <p:nvSpPr>
                 <p:cNvPr id="19" name="文字方塊 18">
@@ -3597,6 +3602,7 @@
                 </a:bodyPr>
                 <a:lstStyle/>
                 <a:p>
+                  <a:pPr/>
                   <a14:m>
                     <m:oMathPara xmlns:m="http://schemas.openxmlformats.org/officeDocument/2006/math">
                       <m:oMathParaPr>
@@ -3636,7 +3642,7 @@
               </p:txBody>
             </p:sp>
           </mc:Choice>
-          <mc:Fallback>
+          <mc:Fallback xmlns="">
             <p:sp>
               <p:nvSpPr>
                 <p:cNvPr id="19" name="文字方塊 18">
@@ -3681,8 +3687,8 @@
             </p:sp>
           </mc:Fallback>
         </mc:AlternateContent>
-        <mc:AlternateContent xmlns:mc="http://schemas.openxmlformats.org/markup-compatibility/2006">
-          <mc:Choice xmlns:a14="http://schemas.microsoft.com/office/drawing/2010/main" Requires="a14">
+        <mc:AlternateContent xmlns:mc="http://schemas.openxmlformats.org/markup-compatibility/2006" xmlns:a14="http://schemas.microsoft.com/office/drawing/2010/main">
+          <mc:Choice Requires="a14">
             <p:sp>
               <p:nvSpPr>
                 <p:cNvPr id="20" name="文字方塊 19">
@@ -3711,6 +3717,7 @@
                 </a:bodyPr>
                 <a:lstStyle/>
                 <a:p>
+                  <a:pPr/>
                   <a14:m>
                     <m:oMathPara xmlns:m="http://schemas.openxmlformats.org/officeDocument/2006/math">
                       <m:oMathParaPr>
@@ -3783,7 +3790,7 @@
               </p:txBody>
             </p:sp>
           </mc:Choice>
-          <mc:Fallback>
+          <mc:Fallback xmlns="">
             <p:sp>
               <p:nvSpPr>
                 <p:cNvPr id="20" name="文字方塊 19">
@@ -3828,8 +3835,8 @@
             </p:sp>
           </mc:Fallback>
         </mc:AlternateContent>
-        <mc:AlternateContent xmlns:mc="http://schemas.openxmlformats.org/markup-compatibility/2006">
-          <mc:Choice xmlns:a14="http://schemas.microsoft.com/office/drawing/2010/main" Requires="a14">
+        <mc:AlternateContent xmlns:mc="http://schemas.openxmlformats.org/markup-compatibility/2006" xmlns:a14="http://schemas.microsoft.com/office/drawing/2010/main">
+          <mc:Choice Requires="a14">
             <p:sp>
               <p:nvSpPr>
                 <p:cNvPr id="21" name="文字方塊 20">
@@ -3858,6 +3865,7 @@
                 </a:bodyPr>
                 <a:lstStyle/>
                 <a:p>
+                  <a:pPr/>
                   <a14:m>
                     <m:oMathPara xmlns:m="http://schemas.openxmlformats.org/officeDocument/2006/math">
                       <m:oMathParaPr>
@@ -3967,7 +3975,7 @@
               </p:txBody>
             </p:sp>
           </mc:Choice>
-          <mc:Fallback>
+          <mc:Fallback xmlns="">
             <p:sp>
               <p:nvSpPr>
                 <p:cNvPr id="21" name="文字方塊 20">
@@ -4140,7 +4148,7 @@
         <p:spPr>
           <a:xfrm>
             <a:off x="313267" y="194733"/>
-            <a:ext cx="5401733" cy="4247317"/>
+            <a:ext cx="5401733" cy="4801314"/>
           </a:xfrm>
           <a:prstGeom prst="rect">
             <a:avLst/>
@@ -4250,9 +4258,12 @@
             </a:r>
             <a:r>
               <a:rPr lang="zh-TW" altLang="en-US" dirty="0"/>
-              <a:t>全域座標位置</a:t>
-            </a:r>
-            <a:endParaRPr lang="en-US" altLang="zh-TW" dirty="0"/>
+              <a:t>全域座標位置 </a:t>
+            </a:r>
+            <a:r>
+              <a:rPr lang="en-US" altLang="zh-TW" dirty="0"/>
+              <a:t>vector</a:t>
+            </a:r>
           </a:p>
           <a:p>
             <a:pPr marL="285750" indent="-285750">
@@ -4261,13 +4272,16 @@
             </a:pPr>
             <a:r>
               <a:rPr lang="en-US" altLang="zh-TW" dirty="0"/>
-              <a:t>theta: </a:t>
+              <a:t>orientation(theta): </a:t>
             </a:r>
             <a:r>
               <a:rPr lang="zh-TW" altLang="en-US" dirty="0"/>
-              <a:t>朝向</a:t>
-            </a:r>
-            <a:endParaRPr lang="en-US" altLang="zh-TW" dirty="0"/>
+              <a:t>朝向 </a:t>
+            </a:r>
+            <a:r>
+              <a:rPr lang="en-US" altLang="zh-TW" dirty="0"/>
+              <a:t>double</a:t>
+            </a:r>
           </a:p>
           <a:p>
             <a:endParaRPr lang="en-US" altLang="zh-TW" dirty="0"/>
@@ -4285,14 +4299,21 @@
               <a:buChar char="•"/>
             </a:pPr>
             <a:r>
+              <a:rPr lang="en-US" altLang="zh-TW" dirty="0" err="1"/>
+              <a:t>v_l</a:t>
+            </a:r>
+            <a:r>
               <a:rPr lang="en-US" altLang="zh-TW" dirty="0"/>
-              <a:t>V:</a:t>
+              <a:t>: INPUT</a:t>
             </a:r>
             <a:r>
               <a:rPr lang="zh-TW" altLang="en-US" dirty="0"/>
-              <a:t> 前進速度</a:t>
-            </a:r>
-            <a:endParaRPr lang="en-US" altLang="zh-TW" dirty="0"/>
+              <a:t>左輪速度 </a:t>
+            </a:r>
+            <a:r>
+              <a:rPr lang="en-US" altLang="zh-TW" dirty="0"/>
+              <a:t>double</a:t>
+            </a:r>
           </a:p>
           <a:p>
             <a:pPr marL="285750" indent="-285750">
@@ -4300,14 +4321,21 @@
               <a:buChar char="•"/>
             </a:pPr>
             <a:r>
+              <a:rPr lang="en-US" altLang="zh-TW" dirty="0" err="1"/>
+              <a:t>v_r</a:t>
+            </a:r>
+            <a:r>
               <a:rPr lang="en-US" altLang="zh-TW" dirty="0"/>
-              <a:t>omega: </a:t>
+              <a:t>: INPUT</a:t>
             </a:r>
             <a:r>
               <a:rPr lang="zh-TW" altLang="en-US" dirty="0"/>
-              <a:t>迴轉速度</a:t>
-            </a:r>
-            <a:endParaRPr lang="en-US" altLang="zh-TW" dirty="0"/>
+              <a:t>右輪速度 </a:t>
+            </a:r>
+            <a:r>
+              <a:rPr lang="en-US" altLang="zh-TW" dirty="0"/>
+              <a:t>double</a:t>
+            </a:r>
           </a:p>
           <a:p>
             <a:pPr marL="285750" indent="-285750">
@@ -4315,18 +4343,41 @@
               <a:buChar char="•"/>
             </a:pPr>
             <a:r>
-              <a:rPr lang="en-US" altLang="zh-TW" dirty="0" err="1"/>
-              <a:t>v_l</a:t>
-            </a:r>
-            <a:r>
               <a:rPr lang="en-US" altLang="zh-TW" dirty="0"/>
-              <a:t>: </a:t>
+              <a:t>V:</a:t>
             </a:r>
             <a:r>
               <a:rPr lang="zh-TW" altLang="en-US" dirty="0"/>
-              <a:t>左輪速度</a:t>
-            </a:r>
-            <a:endParaRPr lang="en-US" altLang="zh-TW" dirty="0"/>
+              <a:t> </a:t>
+            </a:r>
+            <a:r>
+              <a:rPr lang="en-US" altLang="zh-TW" dirty="0"/>
+              <a:t>OUTPUT</a:t>
+            </a:r>
+            <a:r>
+              <a:rPr lang="zh-TW" altLang="en-US" dirty="0"/>
+              <a:t>前進速度</a:t>
+            </a:r>
+            <a:r>
+              <a:rPr lang="en-US" altLang="zh-TW" dirty="0"/>
+              <a:t>(</a:t>
+            </a:r>
+            <a:r>
+              <a:rPr lang="zh-TW" altLang="en-US" dirty="0"/>
+              <a:t>絕對值</a:t>
+            </a:r>
+            <a:r>
+              <a:rPr lang="en-US" altLang="zh-TW" dirty="0"/>
+              <a:t>)</a:t>
+            </a:r>
+            <a:r>
+              <a:rPr lang="zh-TW" altLang="en-US" dirty="0"/>
+              <a:t> </a:t>
+            </a:r>
+            <a:r>
+              <a:rPr lang="en-US" altLang="zh-TW" dirty="0"/>
+              <a:t>double</a:t>
+            </a:r>
           </a:p>
           <a:p>
             <a:pPr marL="285750" indent="-285750">
@@ -4334,20 +4385,67 @@
               <a:buChar char="•"/>
             </a:pPr>
             <a:r>
+              <a:rPr lang="en-US" altLang="zh-TW" dirty="0"/>
+              <a:t>omega: OUTPUT</a:t>
+            </a:r>
+            <a:r>
+              <a:rPr lang="zh-TW" altLang="en-US" dirty="0"/>
+              <a:t>迴轉速度 </a:t>
+            </a:r>
+            <a:r>
+              <a:rPr lang="en-US" altLang="zh-TW" dirty="0"/>
+              <a:t>double</a:t>
+            </a:r>
+          </a:p>
+          <a:p>
+            <a:pPr marL="285750" indent="-285750">
+              <a:buFont typeface="Arial" panose="020B0604020202020204" pitchFamily="34" charset="0"/>
+              <a:buChar char="•"/>
+            </a:pPr>
+            <a:r>
               <a:rPr lang="en-US" altLang="zh-TW" dirty="0" err="1"/>
-              <a:t>v_r</a:t>
+              <a:t>R_c</a:t>
             </a:r>
             <a:r>
               <a:rPr lang="en-US" altLang="zh-TW" dirty="0"/>
-              <a:t>: </a:t>
+              <a:t>: OUTPUT</a:t>
             </a:r>
             <a:r>
               <a:rPr lang="zh-TW" altLang="en-US" dirty="0"/>
-              <a:t>右輪速度</a:t>
-            </a:r>
-            <a:endParaRPr lang="en-US" altLang="zh-TW" dirty="0"/>
-          </a:p>
-          <a:p>
+              <a:t>迴轉半徑 </a:t>
+            </a:r>
+            <a:r>
+              <a:rPr lang="en-US" altLang="zh-TW" dirty="0"/>
+              <a:t>double</a:t>
+            </a:r>
+          </a:p>
+          <a:p>
+            <a:pPr marL="285750" indent="-285750">
+              <a:buFont typeface="Arial" panose="020B0604020202020204" pitchFamily="34" charset="0"/>
+              <a:buChar char="•"/>
+            </a:pPr>
+            <a:r>
+              <a:rPr lang="en-US" altLang="zh-TW" dirty="0" err="1"/>
+              <a:t>Vv</a:t>
+            </a:r>
+            <a:r>
+              <a:rPr lang="en-US" altLang="zh-TW" dirty="0"/>
+              <a:t>: OUTPUT</a:t>
+            </a:r>
+            <a:r>
+              <a:rPr lang="zh-TW" altLang="en-US" dirty="0"/>
+              <a:t>速度向量 </a:t>
+            </a:r>
+            <a:r>
+              <a:rPr lang="en-US" altLang="zh-TW" dirty="0"/>
+              <a:t>vector</a:t>
+            </a:r>
+          </a:p>
+          <a:p>
+            <a:pPr marL="285750" indent="-285750">
+              <a:buFont typeface="Arial" panose="020B0604020202020204" pitchFamily="34" charset="0"/>
+              <a:buChar char="•"/>
+            </a:pPr>
             <a:endParaRPr lang="en-US" altLang="zh-TW" dirty="0"/>
           </a:p>
         </p:txBody>
@@ -4978,8 +5076,8 @@
             </a:p>
           </p:txBody>
         </p:sp>
-        <mc:AlternateContent xmlns:mc="http://schemas.openxmlformats.org/markup-compatibility/2006">
-          <mc:Choice xmlns:a14="http://schemas.microsoft.com/office/drawing/2010/main" Requires="a14">
+        <mc:AlternateContent xmlns:mc="http://schemas.openxmlformats.org/markup-compatibility/2006" xmlns:a14="http://schemas.microsoft.com/office/drawing/2010/main">
+          <mc:Choice Requires="a14">
             <p:sp>
               <p:nvSpPr>
                 <p:cNvPr id="31" name="文字方塊 30">
@@ -5008,6 +5106,7 @@
                 </a:bodyPr>
                 <a:lstStyle/>
                 <a:p>
+                  <a:pPr/>
                   <a14:m>
                     <m:oMathPara xmlns:m="http://schemas.openxmlformats.org/officeDocument/2006/math">
                       <m:oMathParaPr>
@@ -5035,7 +5134,7 @@
               </p:txBody>
             </p:sp>
           </mc:Choice>
-          <mc:Fallback>
+          <mc:Fallback xmlns="">
             <p:sp>
               <p:nvSpPr>
                 <p:cNvPr id="31" name="文字方塊 30">
@@ -5571,8 +5670,8 @@
             </a:p>
           </p:txBody>
         </p:sp>
-        <mc:AlternateContent xmlns:mc="http://schemas.openxmlformats.org/markup-compatibility/2006">
-          <mc:Choice xmlns:a14="http://schemas.microsoft.com/office/drawing/2010/main" Requires="a14">
+        <mc:AlternateContent xmlns:mc="http://schemas.openxmlformats.org/markup-compatibility/2006" xmlns:a14="http://schemas.microsoft.com/office/drawing/2010/main">
+          <mc:Choice Requires="a14">
             <p:sp>
               <p:nvSpPr>
                 <p:cNvPr id="51" name="文字方塊 50">
@@ -5601,6 +5700,7 @@
                 </a:bodyPr>
                 <a:lstStyle/>
                 <a:p>
+                  <a:pPr/>
                   <a14:m>
                     <m:oMathPara xmlns:m="http://schemas.openxmlformats.org/officeDocument/2006/math">
                       <m:oMathParaPr>
@@ -5632,7 +5732,7 @@
               </p:txBody>
             </p:sp>
           </mc:Choice>
-          <mc:Fallback>
+          <mc:Fallback xmlns="">
             <p:sp>
               <p:nvSpPr>
                 <p:cNvPr id="51" name="文字方塊 50">
@@ -5880,8 +5980,8 @@
             </p:nvSpPr>
             <p:spPr>
               <a:xfrm>
-                <a:off x="3899563" y="198612"/>
-                <a:ext cx="3363978" cy="1164934"/>
+                <a:off x="2623728" y="30013"/>
+                <a:ext cx="7648965" cy="810543"/>
               </a:xfrm>
               <a:prstGeom prst="rect">
                 <a:avLst/>
@@ -5900,233 +6000,494 @@
                 </a:r>
               </a:p>
               <a:p>
+                <a:pPr/>
                 <a14:m>
-                  <m:oMathPara xmlns:m="http://schemas.openxmlformats.org/officeDocument/2006/math">
-                    <m:oMathParaPr>
-                      <m:jc m:val="centerGroup"/>
-                    </m:oMathParaPr>
-                    <m:oMath xmlns:m="http://schemas.openxmlformats.org/officeDocument/2006/math">
-                      <m:r>
-                        <a:rPr lang="en-US" altLang="zh-TW" b="0" i="1" smtClean="0">
-                          <a:latin typeface="Cambria Math" panose="02040503050406030204" pitchFamily="18" charset="0"/>
-                        </a:rPr>
-                        <m:t>𝑉</m:t>
-                      </m:r>
-                      <m:r>
-                        <a:rPr lang="en-US" altLang="zh-TW" b="0" i="1" smtClean="0">
-                          <a:latin typeface="Cambria Math" panose="02040503050406030204" pitchFamily="18" charset="0"/>
-                        </a:rPr>
-                        <m:t>=</m:t>
-                      </m:r>
-                      <m:f>
-                        <m:fPr>
-                          <m:ctrlPr>
-                            <a:rPr lang="en-US" altLang="zh-TW" b="0" i="1" smtClean="0">
-                              <a:latin typeface="Cambria Math" panose="02040503050406030204" pitchFamily="18" charset="0"/>
-                            </a:rPr>
-                          </m:ctrlPr>
-                        </m:fPr>
-                        <m:num>
-                          <m:r>
-                            <a:rPr lang="en-US" altLang="zh-TW" b="0" i="1" smtClean="0">
-                              <a:latin typeface="Cambria Math" panose="02040503050406030204" pitchFamily="18" charset="0"/>
-                            </a:rPr>
-                            <m:t>1</m:t>
-                          </m:r>
-                        </m:num>
-                        <m:den>
-                          <m:r>
-                            <a:rPr lang="en-US" altLang="zh-TW" b="0" i="1" smtClean="0">
-                              <a:latin typeface="Cambria Math" panose="02040503050406030204" pitchFamily="18" charset="0"/>
-                            </a:rPr>
-                            <m:t>2</m:t>
-                          </m:r>
-                        </m:den>
-                      </m:f>
-                      <m:d>
-                        <m:dPr>
-                          <m:ctrlPr>
-                            <a:rPr lang="en-US" altLang="zh-TW" b="0" i="1" smtClean="0">
-                              <a:latin typeface="Cambria Math" panose="02040503050406030204" pitchFamily="18" charset="0"/>
-                            </a:rPr>
-                          </m:ctrlPr>
-                        </m:dPr>
-                        <m:e>
-                          <m:sSub>
-                            <m:sSubPr>
-                              <m:ctrlPr>
-                                <a:rPr lang="en-US" altLang="zh-TW" b="0" i="1" smtClean="0">
-                                  <a:latin typeface="Cambria Math" panose="02040503050406030204" pitchFamily="18" charset="0"/>
-                                </a:rPr>
-                              </m:ctrlPr>
-                            </m:sSubPr>
-                            <m:e>
-                              <m:r>
-                                <a:rPr lang="en-US" altLang="zh-TW" b="0" i="1" smtClean="0">
-                                  <a:latin typeface="Cambria Math" panose="02040503050406030204" pitchFamily="18" charset="0"/>
-                                </a:rPr>
-                                <m:t>𝑣</m:t>
-                              </m:r>
-                            </m:e>
-                            <m:sub>
-                              <m:r>
-                                <a:rPr lang="en-US" altLang="zh-TW" b="0" i="1" smtClean="0">
-                                  <a:latin typeface="Cambria Math" panose="02040503050406030204" pitchFamily="18" charset="0"/>
-                                </a:rPr>
-                                <m:t>𝑟</m:t>
-                              </m:r>
-                            </m:sub>
-                          </m:sSub>
-                          <m:r>
-                            <a:rPr lang="en-US" altLang="zh-TW" b="0" i="1" smtClean="0">
-                              <a:latin typeface="Cambria Math" panose="02040503050406030204" pitchFamily="18" charset="0"/>
-                            </a:rPr>
-                            <m:t>+</m:t>
-                          </m:r>
-                          <m:sSub>
-                            <m:sSubPr>
-                              <m:ctrlPr>
-                                <a:rPr lang="en-US" altLang="zh-TW" b="0" i="1" smtClean="0">
-                                  <a:latin typeface="Cambria Math" panose="02040503050406030204" pitchFamily="18" charset="0"/>
-                                </a:rPr>
-                              </m:ctrlPr>
-                            </m:sSubPr>
-                            <m:e>
-                              <m:r>
-                                <a:rPr lang="en-US" altLang="zh-TW" b="0" i="1" smtClean="0">
-                                  <a:latin typeface="Cambria Math" panose="02040503050406030204" pitchFamily="18" charset="0"/>
-                                </a:rPr>
-                                <m:t>𝑣</m:t>
-                              </m:r>
-                            </m:e>
-                            <m:sub>
-                              <m:r>
-                                <a:rPr lang="en-US" altLang="zh-TW" b="0" i="1" smtClean="0">
-                                  <a:latin typeface="Cambria Math" panose="02040503050406030204" pitchFamily="18" charset="0"/>
-                                </a:rPr>
-                                <m:t>𝑙</m:t>
-                              </m:r>
-                            </m:sub>
-                          </m:sSub>
-                        </m:e>
-                      </m:d>
-                      <m:r>
-                        <a:rPr lang="en-US" altLang="zh-TW" b="0" i="1" smtClean="0">
-                          <a:latin typeface="Cambria Math" panose="02040503050406030204" pitchFamily="18" charset="0"/>
-                        </a:rPr>
-                        <m:t>, </m:t>
-                      </m:r>
-                      <m:r>
-                        <a:rPr lang="zh-TW" altLang="en-US" b="0" i="1" smtClean="0">
-                          <a:latin typeface="Cambria Math" panose="02040503050406030204" pitchFamily="18" charset="0"/>
-                        </a:rPr>
-                        <m:t>𝜔</m:t>
-                      </m:r>
-                      <m:r>
-                        <a:rPr lang="en-US" altLang="zh-TW" b="0" i="1" smtClean="0">
-                          <a:latin typeface="Cambria Math" panose="02040503050406030204" pitchFamily="18" charset="0"/>
-                        </a:rPr>
-                        <m:t>=</m:t>
-                      </m:r>
-                      <m:f>
-                        <m:fPr>
-                          <m:ctrlPr>
-                            <a:rPr lang="en-US" altLang="zh-TW" b="0" i="1" smtClean="0">
-                              <a:latin typeface="Cambria Math" panose="02040503050406030204" pitchFamily="18" charset="0"/>
-                            </a:rPr>
-                          </m:ctrlPr>
-                        </m:fPr>
-                        <m:num>
-                          <m:r>
-                            <a:rPr lang="en-US" altLang="zh-TW" b="0" i="1" smtClean="0">
-                              <a:latin typeface="Cambria Math" panose="02040503050406030204" pitchFamily="18" charset="0"/>
-                            </a:rPr>
-                            <m:t>1</m:t>
-                          </m:r>
-                        </m:num>
-                        <m:den>
-                          <m:r>
-                            <a:rPr lang="en-US" altLang="zh-TW" b="0" i="1" smtClean="0">
-                              <a:latin typeface="Cambria Math" panose="02040503050406030204" pitchFamily="18" charset="0"/>
-                            </a:rPr>
-                            <m:t>𝐿</m:t>
-                          </m:r>
-                        </m:den>
-                      </m:f>
-                      <m:r>
-                        <a:rPr lang="en-US" altLang="zh-TW" b="0" i="1" smtClean="0">
-                          <a:latin typeface="Cambria Math" panose="02040503050406030204" pitchFamily="18" charset="0"/>
-                        </a:rPr>
-                        <m:t>(</m:t>
-                      </m:r>
-                      <m:sSub>
-                        <m:sSubPr>
-                          <m:ctrlPr>
-                            <a:rPr lang="en-US" altLang="zh-TW" b="0" i="1" smtClean="0">
-                              <a:latin typeface="Cambria Math" panose="02040503050406030204" pitchFamily="18" charset="0"/>
-                            </a:rPr>
-                          </m:ctrlPr>
-                        </m:sSubPr>
-                        <m:e>
-                          <m:r>
-                            <a:rPr lang="en-US" altLang="zh-TW" b="0" i="1" smtClean="0">
-                              <a:latin typeface="Cambria Math" panose="02040503050406030204" pitchFamily="18" charset="0"/>
-                            </a:rPr>
-                            <m:t>𝑣</m:t>
-                          </m:r>
-                        </m:e>
-                        <m:sub>
-                          <m:r>
-                            <a:rPr lang="en-US" altLang="zh-TW" b="0" i="1" smtClean="0">
-                              <a:latin typeface="Cambria Math" panose="02040503050406030204" pitchFamily="18" charset="0"/>
-                            </a:rPr>
-                            <m:t>𝑟</m:t>
-                          </m:r>
-                        </m:sub>
-                      </m:sSub>
-                      <m:r>
-                        <a:rPr lang="en-US" altLang="zh-TW" b="0" i="1" smtClean="0">
-                          <a:latin typeface="Cambria Math" panose="02040503050406030204" pitchFamily="18" charset="0"/>
-                        </a:rPr>
-                        <m:t>−</m:t>
-                      </m:r>
-                      <m:sSub>
-                        <m:sSubPr>
-                          <m:ctrlPr>
-                            <a:rPr lang="en-US" altLang="zh-TW" b="0" i="1" smtClean="0">
-                              <a:latin typeface="Cambria Math" panose="02040503050406030204" pitchFamily="18" charset="0"/>
-                            </a:rPr>
-                          </m:ctrlPr>
-                        </m:sSubPr>
-                        <m:e>
-                          <m:r>
-                            <a:rPr lang="en-US" altLang="zh-TW" b="0" i="1" smtClean="0">
-                              <a:latin typeface="Cambria Math" panose="02040503050406030204" pitchFamily="18" charset="0"/>
-                            </a:rPr>
-                            <m:t>𝑣</m:t>
-                          </m:r>
-                        </m:e>
-                        <m:sub>
-                          <m:r>
-                            <a:rPr lang="en-US" altLang="zh-TW" b="0" i="1" smtClean="0">
-                              <a:latin typeface="Cambria Math" panose="02040503050406030204" pitchFamily="18" charset="0"/>
-                            </a:rPr>
-                            <m:t>𝑙</m:t>
-                          </m:r>
-                        </m:sub>
-                      </m:sSub>
-                      <m:r>
-                        <a:rPr lang="en-US" altLang="zh-TW" b="0" i="1" smtClean="0">
-                          <a:latin typeface="Cambria Math" panose="02040503050406030204" pitchFamily="18" charset="0"/>
-                        </a:rPr>
-                        <m:t>)</m:t>
-                      </m:r>
-                    </m:oMath>
-                  </m:oMathPara>
+                  <m:oMath xmlns:m="http://schemas.openxmlformats.org/officeDocument/2006/math">
+                    <m:r>
+                      <a:rPr lang="en-US" altLang="zh-TW" b="0" i="1" smtClean="0">
+                        <a:latin typeface="Cambria Math" panose="02040503050406030204" pitchFamily="18" charset="0"/>
+                      </a:rPr>
+                      <m:t>𝑉</m:t>
+                    </m:r>
+                    <m:r>
+                      <a:rPr lang="en-US" altLang="zh-TW" b="0" i="1" smtClean="0">
+                        <a:latin typeface="Cambria Math" panose="02040503050406030204" pitchFamily="18" charset="0"/>
+                      </a:rPr>
+                      <m:t>=</m:t>
+                    </m:r>
+                    <m:f>
+                      <m:fPr>
+                        <m:ctrlPr>
+                          <a:rPr lang="en-US" altLang="zh-TW" b="0" i="1" smtClean="0">
+                            <a:latin typeface="Cambria Math" panose="02040503050406030204" pitchFamily="18" charset="0"/>
+                          </a:rPr>
+                        </m:ctrlPr>
+                      </m:fPr>
+                      <m:num>
+                        <m:r>
+                          <a:rPr lang="en-US" altLang="zh-TW" b="0" i="1" smtClean="0">
+                            <a:latin typeface="Cambria Math" panose="02040503050406030204" pitchFamily="18" charset="0"/>
+                          </a:rPr>
+                          <m:t>1</m:t>
+                        </m:r>
+                      </m:num>
+                      <m:den>
+                        <m:r>
+                          <a:rPr lang="en-US" altLang="zh-TW" b="0" i="1" smtClean="0">
+                            <a:latin typeface="Cambria Math" panose="02040503050406030204" pitchFamily="18" charset="0"/>
+                          </a:rPr>
+                          <m:t>2</m:t>
+                        </m:r>
+                      </m:den>
+                    </m:f>
+                    <m:d>
+                      <m:dPr>
+                        <m:ctrlPr>
+                          <a:rPr lang="en-US" altLang="zh-TW" b="0" i="1" smtClean="0">
+                            <a:latin typeface="Cambria Math" panose="02040503050406030204" pitchFamily="18" charset="0"/>
+                          </a:rPr>
+                        </m:ctrlPr>
+                      </m:dPr>
+                      <m:e>
+                        <m:sSub>
+                          <m:sSubPr>
+                            <m:ctrlPr>
+                              <a:rPr lang="en-US" altLang="zh-TW" b="0" i="1" smtClean="0">
+                                <a:latin typeface="Cambria Math" panose="02040503050406030204" pitchFamily="18" charset="0"/>
+                              </a:rPr>
+                            </m:ctrlPr>
+                          </m:sSubPr>
+                          <m:e>
+                            <m:r>
+                              <a:rPr lang="en-US" altLang="zh-TW" b="0" i="1" smtClean="0">
+                                <a:latin typeface="Cambria Math" panose="02040503050406030204" pitchFamily="18" charset="0"/>
+                              </a:rPr>
+                              <m:t>𝑣</m:t>
+                            </m:r>
+                          </m:e>
+                          <m:sub>
+                            <m:r>
+                              <a:rPr lang="en-US" altLang="zh-TW" b="0" i="1" smtClean="0">
+                                <a:latin typeface="Cambria Math" panose="02040503050406030204" pitchFamily="18" charset="0"/>
+                              </a:rPr>
+                              <m:t>𝑟</m:t>
+                            </m:r>
+                          </m:sub>
+                        </m:sSub>
+                        <m:r>
+                          <a:rPr lang="en-US" altLang="zh-TW" b="0" i="1" smtClean="0">
+                            <a:latin typeface="Cambria Math" panose="02040503050406030204" pitchFamily="18" charset="0"/>
+                          </a:rPr>
+                          <m:t>+</m:t>
+                        </m:r>
+                        <m:sSub>
+                          <m:sSubPr>
+                            <m:ctrlPr>
+                              <a:rPr lang="en-US" altLang="zh-TW" b="0" i="1" smtClean="0">
+                                <a:latin typeface="Cambria Math" panose="02040503050406030204" pitchFamily="18" charset="0"/>
+                              </a:rPr>
+                            </m:ctrlPr>
+                          </m:sSubPr>
+                          <m:e>
+                            <m:r>
+                              <a:rPr lang="en-US" altLang="zh-TW" b="0" i="1" smtClean="0">
+                                <a:latin typeface="Cambria Math" panose="02040503050406030204" pitchFamily="18" charset="0"/>
+                              </a:rPr>
+                              <m:t>𝑣</m:t>
+                            </m:r>
+                          </m:e>
+                          <m:sub>
+                            <m:r>
+                              <a:rPr lang="en-US" altLang="zh-TW" b="0" i="1" smtClean="0">
+                                <a:latin typeface="Cambria Math" panose="02040503050406030204" pitchFamily="18" charset="0"/>
+                              </a:rPr>
+                              <m:t>𝑙</m:t>
+                            </m:r>
+                          </m:sub>
+                        </m:sSub>
+                      </m:e>
+                    </m:d>
+                    <m:r>
+                      <a:rPr lang="en-US" altLang="zh-TW" b="0" i="1" smtClean="0">
+                        <a:latin typeface="Cambria Math" panose="02040503050406030204" pitchFamily="18" charset="0"/>
+                      </a:rPr>
+                      <m:t>, </m:t>
+                    </m:r>
+                    <m:r>
+                      <a:rPr lang="zh-TW" altLang="en-US" b="0" i="1" smtClean="0">
+                        <a:latin typeface="Cambria Math" panose="02040503050406030204" pitchFamily="18" charset="0"/>
+                      </a:rPr>
+                      <m:t>𝜔</m:t>
+                    </m:r>
+                    <m:r>
+                      <a:rPr lang="en-US" altLang="zh-TW" b="0" i="1" smtClean="0">
+                        <a:latin typeface="Cambria Math" panose="02040503050406030204" pitchFamily="18" charset="0"/>
+                      </a:rPr>
+                      <m:t>=</m:t>
+                    </m:r>
+                    <m:f>
+                      <m:fPr>
+                        <m:ctrlPr>
+                          <a:rPr lang="en-US" altLang="zh-TW" b="0" i="1" smtClean="0">
+                            <a:latin typeface="Cambria Math" panose="02040503050406030204" pitchFamily="18" charset="0"/>
+                          </a:rPr>
+                        </m:ctrlPr>
+                      </m:fPr>
+                      <m:num>
+                        <m:r>
+                          <a:rPr lang="en-US" altLang="zh-TW" b="0" i="1" smtClean="0">
+                            <a:latin typeface="Cambria Math" panose="02040503050406030204" pitchFamily="18" charset="0"/>
+                          </a:rPr>
+                          <m:t>1</m:t>
+                        </m:r>
+                      </m:num>
+                      <m:den>
+                        <m:r>
+                          <a:rPr lang="en-US" altLang="zh-TW" b="0" i="1" smtClean="0">
+                            <a:latin typeface="Cambria Math" panose="02040503050406030204" pitchFamily="18" charset="0"/>
+                          </a:rPr>
+                          <m:t>𝐿</m:t>
+                        </m:r>
+                      </m:den>
+                    </m:f>
+                    <m:r>
+                      <a:rPr lang="en-US" altLang="zh-TW" b="0" i="1" smtClean="0">
+                        <a:latin typeface="Cambria Math" panose="02040503050406030204" pitchFamily="18" charset="0"/>
+                      </a:rPr>
+                      <m:t>(</m:t>
+                    </m:r>
+                    <m:sSub>
+                      <m:sSubPr>
+                        <m:ctrlPr>
+                          <a:rPr lang="en-US" altLang="zh-TW" b="0" i="1" smtClean="0">
+                            <a:latin typeface="Cambria Math" panose="02040503050406030204" pitchFamily="18" charset="0"/>
+                          </a:rPr>
+                        </m:ctrlPr>
+                      </m:sSubPr>
+                      <m:e>
+                        <m:r>
+                          <a:rPr lang="en-US" altLang="zh-TW" b="0" i="1" smtClean="0">
+                            <a:latin typeface="Cambria Math" panose="02040503050406030204" pitchFamily="18" charset="0"/>
+                          </a:rPr>
+                          <m:t>𝑣</m:t>
+                        </m:r>
+                      </m:e>
+                      <m:sub>
+                        <m:r>
+                          <a:rPr lang="en-US" altLang="zh-TW" b="0" i="1" smtClean="0">
+                            <a:latin typeface="Cambria Math" panose="02040503050406030204" pitchFamily="18" charset="0"/>
+                          </a:rPr>
+                          <m:t>𝑟</m:t>
+                        </m:r>
+                      </m:sub>
+                    </m:sSub>
+                    <m:r>
+                      <a:rPr lang="en-US" altLang="zh-TW" b="0" i="1" smtClean="0">
+                        <a:latin typeface="Cambria Math" panose="02040503050406030204" pitchFamily="18" charset="0"/>
+                      </a:rPr>
+                      <m:t>−</m:t>
+                    </m:r>
+                    <m:sSub>
+                      <m:sSubPr>
+                        <m:ctrlPr>
+                          <a:rPr lang="en-US" altLang="zh-TW" b="0" i="1" smtClean="0">
+                            <a:latin typeface="Cambria Math" panose="02040503050406030204" pitchFamily="18" charset="0"/>
+                          </a:rPr>
+                        </m:ctrlPr>
+                      </m:sSubPr>
+                      <m:e>
+                        <m:r>
+                          <a:rPr lang="en-US" altLang="zh-TW" b="0" i="1" smtClean="0">
+                            <a:latin typeface="Cambria Math" panose="02040503050406030204" pitchFamily="18" charset="0"/>
+                          </a:rPr>
+                          <m:t>𝑣</m:t>
+                        </m:r>
+                      </m:e>
+                      <m:sub>
+                        <m:r>
+                          <a:rPr lang="en-US" altLang="zh-TW" b="0" i="1" smtClean="0">
+                            <a:latin typeface="Cambria Math" panose="02040503050406030204" pitchFamily="18" charset="0"/>
+                          </a:rPr>
+                          <m:t>𝑙</m:t>
+                        </m:r>
+                      </m:sub>
+                    </m:sSub>
+                    <m:r>
+                      <a:rPr lang="en-US" altLang="zh-TW" b="0" i="1" smtClean="0">
+                        <a:latin typeface="Cambria Math" panose="02040503050406030204" pitchFamily="18" charset="0"/>
+                      </a:rPr>
+                      <m:t>)</m:t>
+                    </m:r>
+                  </m:oMath>
                 </a14:m>
-                <a:endParaRPr lang="en-US" altLang="zh-TW" b="0" dirty="0"/>
-              </a:p>
-              <a:p>
+                <a:r>
+                  <a:rPr lang="zh-TW" altLang="en-US" b="0" dirty="0"/>
+                  <a:t> →</a:t>
+                </a:r>
+                <a14:m>
+                  <m:oMath xmlns:m="http://schemas.openxmlformats.org/officeDocument/2006/math">
+                    <m:r>
+                      <a:rPr lang="en-US" altLang="zh-TW" b="0" i="1" dirty="0" smtClean="0">
+                        <a:latin typeface="Cambria Math" panose="02040503050406030204" pitchFamily="18" charset="0"/>
+                      </a:rPr>
+                      <m:t>𝑟𝑎𝑑𝑖𝑢𝑠</m:t>
+                    </m:r>
+                    <m:r>
+                      <a:rPr lang="en-US" altLang="zh-TW" b="0" i="1" dirty="0" smtClean="0">
+                        <a:latin typeface="Cambria Math" panose="02040503050406030204" pitchFamily="18" charset="0"/>
+                      </a:rPr>
+                      <m:t> </m:t>
+                    </m:r>
+                    <m:r>
+                      <a:rPr lang="en-US" altLang="zh-TW" b="0" i="1" dirty="0" smtClean="0">
+                        <a:latin typeface="Cambria Math" panose="02040503050406030204" pitchFamily="18" charset="0"/>
+                      </a:rPr>
+                      <m:t>𝑜𝑓</m:t>
+                    </m:r>
+                    <m:r>
+                      <a:rPr lang="en-US" altLang="zh-TW" b="0" i="1" dirty="0" smtClean="0">
+                        <a:latin typeface="Cambria Math" panose="02040503050406030204" pitchFamily="18" charset="0"/>
+                      </a:rPr>
+                      <m:t> </m:t>
+                    </m:r>
+                    <m:r>
+                      <a:rPr lang="en-US" altLang="zh-TW" b="0" i="1" dirty="0" smtClean="0">
+                        <a:latin typeface="Cambria Math" panose="02040503050406030204" pitchFamily="18" charset="0"/>
+                      </a:rPr>
+                      <m:t>𝑐𝑢𝑟𝑣𝑎𝑡𝑢𝑟𝑒</m:t>
+                    </m:r>
+                    <m:r>
+                      <a:rPr lang="en-US" altLang="zh-TW" b="0" i="1" dirty="0" smtClean="0">
+                        <a:latin typeface="Cambria Math" panose="02040503050406030204" pitchFamily="18" charset="0"/>
+                      </a:rPr>
+                      <m:t> </m:t>
+                    </m:r>
+                    <m:sSub>
+                      <m:sSubPr>
+                        <m:ctrlPr>
+                          <a:rPr lang="en-US" altLang="zh-TW" b="0" i="1" dirty="0" smtClean="0">
+                            <a:latin typeface="Cambria Math" panose="02040503050406030204" pitchFamily="18" charset="0"/>
+                          </a:rPr>
+                        </m:ctrlPr>
+                      </m:sSubPr>
+                      <m:e>
+                        <m:r>
+                          <a:rPr lang="en-US" altLang="zh-TW" b="0" i="1" dirty="0" smtClean="0">
+                            <a:latin typeface="Cambria Math" panose="02040503050406030204" pitchFamily="18" charset="0"/>
+                          </a:rPr>
+                          <m:t>𝑅</m:t>
+                        </m:r>
+                      </m:e>
+                      <m:sub>
+                        <m:r>
+                          <a:rPr lang="en-US" altLang="zh-TW" b="0" i="1" dirty="0" smtClean="0">
+                            <a:latin typeface="Cambria Math" panose="02040503050406030204" pitchFamily="18" charset="0"/>
+                          </a:rPr>
+                          <m:t>𝑐</m:t>
+                        </m:r>
+                      </m:sub>
+                    </m:sSub>
+                    <m:r>
+                      <a:rPr lang="en-US" altLang="zh-TW" b="0" i="1" dirty="0" smtClean="0">
+                        <a:latin typeface="Cambria Math" panose="02040503050406030204" pitchFamily="18" charset="0"/>
+                      </a:rPr>
+                      <m:t>=</m:t>
+                    </m:r>
+                    <m:f>
+                      <m:fPr>
+                        <m:ctrlPr>
+                          <a:rPr lang="en-US" altLang="zh-TW" b="0" i="1" dirty="0" smtClean="0">
+                            <a:latin typeface="Cambria Math" panose="02040503050406030204" pitchFamily="18" charset="0"/>
+                          </a:rPr>
+                        </m:ctrlPr>
+                      </m:fPr>
+                      <m:num>
+                        <m:r>
+                          <a:rPr lang="en-US" altLang="zh-TW" b="0" i="1" dirty="0" smtClean="0">
+                            <a:latin typeface="Cambria Math" panose="02040503050406030204" pitchFamily="18" charset="0"/>
+                          </a:rPr>
+                          <m:t>𝑉</m:t>
+                        </m:r>
+                      </m:num>
+                      <m:den>
+                        <m:r>
+                          <a:rPr lang="zh-TW" altLang="en-US" b="0" i="1" dirty="0" smtClean="0">
+                            <a:latin typeface="Cambria Math" panose="02040503050406030204" pitchFamily="18" charset="0"/>
+                          </a:rPr>
+                          <m:t>𝜔</m:t>
+                        </m:r>
+                      </m:den>
+                    </m:f>
+                    <m:r>
+                      <a:rPr lang="en-US" altLang="zh-TW" b="0" i="1" dirty="0" smtClean="0">
+                        <a:latin typeface="Cambria Math" panose="02040503050406030204" pitchFamily="18" charset="0"/>
+                      </a:rPr>
+                      <m:t>=</m:t>
+                    </m:r>
+                    <m:f>
+                      <m:fPr>
+                        <m:ctrlPr>
+                          <a:rPr lang="en-US" altLang="zh-TW" b="0" i="1" dirty="0" smtClean="0">
+                            <a:latin typeface="Cambria Math" panose="02040503050406030204" pitchFamily="18" charset="0"/>
+                          </a:rPr>
+                        </m:ctrlPr>
+                      </m:fPr>
+                      <m:num>
+                        <m:r>
+                          <a:rPr lang="en-US" altLang="zh-TW" i="1" dirty="0">
+                            <a:latin typeface="Cambria Math" panose="02040503050406030204" pitchFamily="18" charset="0"/>
+                          </a:rPr>
+                          <m:t>𝐿</m:t>
+                        </m:r>
+                        <m:r>
+                          <a:rPr lang="en-US" altLang="zh-TW" i="1" dirty="0">
+                            <a:latin typeface="Cambria Math" panose="02040503050406030204" pitchFamily="18" charset="0"/>
+                          </a:rPr>
+                          <m:t>(</m:t>
+                        </m:r>
+                        <m:sSub>
+                          <m:sSubPr>
+                            <m:ctrlPr>
+                              <a:rPr lang="en-US" altLang="zh-TW" i="1" dirty="0">
+                                <a:latin typeface="Cambria Math" panose="02040503050406030204" pitchFamily="18" charset="0"/>
+                              </a:rPr>
+                            </m:ctrlPr>
+                          </m:sSubPr>
+                          <m:e>
+                            <m:r>
+                              <a:rPr lang="en-US" altLang="zh-TW" i="1" dirty="0">
+                                <a:latin typeface="Cambria Math" panose="02040503050406030204" pitchFamily="18" charset="0"/>
+                              </a:rPr>
+                              <m:t>𝑣</m:t>
+                            </m:r>
+                          </m:e>
+                          <m:sub>
+                            <m:r>
+                              <a:rPr lang="en-US" altLang="zh-TW" i="1" dirty="0">
+                                <a:latin typeface="Cambria Math" panose="02040503050406030204" pitchFamily="18" charset="0"/>
+                              </a:rPr>
+                              <m:t>𝑟</m:t>
+                            </m:r>
+                          </m:sub>
+                        </m:sSub>
+                        <m:r>
+                          <a:rPr lang="en-US" altLang="zh-TW" i="1" dirty="0">
+                            <a:latin typeface="Cambria Math" panose="02040503050406030204" pitchFamily="18" charset="0"/>
+                          </a:rPr>
+                          <m:t>+</m:t>
+                        </m:r>
+                        <m:sSub>
+                          <m:sSubPr>
+                            <m:ctrlPr>
+                              <a:rPr lang="en-US" altLang="zh-TW" i="1" dirty="0">
+                                <a:latin typeface="Cambria Math" panose="02040503050406030204" pitchFamily="18" charset="0"/>
+                              </a:rPr>
+                            </m:ctrlPr>
+                          </m:sSubPr>
+                          <m:e>
+                            <m:r>
+                              <a:rPr lang="en-US" altLang="zh-TW" i="1" dirty="0">
+                                <a:latin typeface="Cambria Math" panose="02040503050406030204" pitchFamily="18" charset="0"/>
+                              </a:rPr>
+                              <m:t>𝑣</m:t>
+                            </m:r>
+                          </m:e>
+                          <m:sub>
+                            <m:r>
+                              <a:rPr lang="en-US" altLang="zh-TW" i="1" dirty="0">
+                                <a:latin typeface="Cambria Math" panose="02040503050406030204" pitchFamily="18" charset="0"/>
+                              </a:rPr>
+                              <m:t>𝑙</m:t>
+                            </m:r>
+                          </m:sub>
+                        </m:sSub>
+                        <m:r>
+                          <a:rPr lang="en-US" altLang="zh-TW" i="1" dirty="0">
+                            <a:latin typeface="Cambria Math" panose="02040503050406030204" pitchFamily="18" charset="0"/>
+                          </a:rPr>
+                          <m:t>)</m:t>
+                        </m:r>
+                      </m:num>
+                      <m:den>
+                        <m:r>
+                          <a:rPr lang="en-US" altLang="zh-TW" i="1" dirty="0">
+                            <a:latin typeface="Cambria Math" panose="02040503050406030204" pitchFamily="18" charset="0"/>
+                          </a:rPr>
+                          <m:t>2(</m:t>
+                        </m:r>
+                        <m:sSub>
+                          <m:sSubPr>
+                            <m:ctrlPr>
+                              <a:rPr lang="en-US" altLang="zh-TW" i="1" dirty="0">
+                                <a:latin typeface="Cambria Math" panose="02040503050406030204" pitchFamily="18" charset="0"/>
+                              </a:rPr>
+                            </m:ctrlPr>
+                          </m:sSubPr>
+                          <m:e>
+                            <m:r>
+                              <a:rPr lang="en-US" altLang="zh-TW" i="1" dirty="0">
+                                <a:latin typeface="Cambria Math" panose="02040503050406030204" pitchFamily="18" charset="0"/>
+                              </a:rPr>
+                              <m:t>𝑣</m:t>
+                            </m:r>
+                          </m:e>
+                          <m:sub>
+                            <m:r>
+                              <a:rPr lang="en-US" altLang="zh-TW" i="1" dirty="0">
+                                <a:latin typeface="Cambria Math" panose="02040503050406030204" pitchFamily="18" charset="0"/>
+                              </a:rPr>
+                              <m:t>𝑟</m:t>
+                            </m:r>
+                          </m:sub>
+                        </m:sSub>
+                        <m:r>
+                          <a:rPr lang="en-US" altLang="zh-TW" i="1" dirty="0">
+                            <a:latin typeface="Cambria Math" panose="02040503050406030204" pitchFamily="18" charset="0"/>
+                          </a:rPr>
+                          <m:t>−</m:t>
+                        </m:r>
+                        <m:sSub>
+                          <m:sSubPr>
+                            <m:ctrlPr>
+                              <a:rPr lang="en-US" altLang="zh-TW" i="1" dirty="0">
+                                <a:latin typeface="Cambria Math" panose="02040503050406030204" pitchFamily="18" charset="0"/>
+                              </a:rPr>
+                            </m:ctrlPr>
+                          </m:sSubPr>
+                          <m:e>
+                            <m:r>
+                              <a:rPr lang="en-US" altLang="zh-TW" i="1" dirty="0">
+                                <a:latin typeface="Cambria Math" panose="02040503050406030204" pitchFamily="18" charset="0"/>
+                              </a:rPr>
+                              <m:t>𝑣</m:t>
+                            </m:r>
+                          </m:e>
+                          <m:sub>
+                            <m:r>
+                              <a:rPr lang="en-US" altLang="zh-TW" i="1" dirty="0">
+                                <a:latin typeface="Cambria Math" panose="02040503050406030204" pitchFamily="18" charset="0"/>
+                              </a:rPr>
+                              <m:t>𝑙</m:t>
+                            </m:r>
+                          </m:sub>
+                        </m:sSub>
+                        <m:r>
+                          <a:rPr lang="en-US" altLang="zh-TW" i="1" dirty="0">
+                            <a:latin typeface="Cambria Math" panose="02040503050406030204" pitchFamily="18" charset="0"/>
+                          </a:rPr>
+                          <m:t>)</m:t>
+                        </m:r>
+                        <m:r>
+                          <m:rPr>
+                            <m:nor/>
+                          </m:rPr>
+                          <a:rPr lang="en-US" altLang="zh-TW" dirty="0"/>
+                          <m:t> </m:t>
+                        </m:r>
+                      </m:den>
+                    </m:f>
+                  </m:oMath>
+                </a14:m>
                 <a:endParaRPr lang="zh-TW" altLang="en-US" dirty="0"/>
               </a:p>
             </p:txBody>
@@ -6149,8 +6510,8 @@
             </p:nvSpPr>
             <p:spPr>
               <a:xfrm>
-                <a:off x="3899563" y="198612"/>
-                <a:ext cx="3363978" cy="1164934"/>
+                <a:off x="2623728" y="30013"/>
+                <a:ext cx="7648965" cy="810543"/>
               </a:xfrm>
               <a:prstGeom prst="rect">
                 <a:avLst/>
@@ -6158,7 +6519,7 @@
               <a:blipFill>
                 <a:blip r:embed="rId4"/>
                 <a:stretch>
-                  <a:fillRect l="-1630" t="-3141"/>
+                  <a:fillRect l="-637" t="-4511" b="-3759"/>
                 </a:stretch>
               </a:blipFill>
             </p:spPr>
@@ -6193,7 +6554,7 @@
             </p:nvSpPr>
             <p:spPr>
               <a:xfrm>
-                <a:off x="3928641" y="1182190"/>
+                <a:off x="3540055" y="856378"/>
                 <a:ext cx="3919019" cy="1681679"/>
               </a:xfrm>
               <a:prstGeom prst="rect">
@@ -6213,6 +6574,7 @@
                 </a:r>
               </a:p>
               <a:p>
+                <a:pPr/>
                 <a14:m>
                   <m:oMathPara xmlns:m="http://schemas.openxmlformats.org/officeDocument/2006/math">
                     <m:oMathParaPr>
@@ -6424,7 +6786,7 @@
             </p:nvSpPr>
             <p:spPr>
               <a:xfrm>
-                <a:off x="3928641" y="1182190"/>
+                <a:off x="3540055" y="856378"/>
                 <a:ext cx="3919019" cy="1681679"/>
               </a:xfrm>
               <a:prstGeom prst="rect">
@@ -6433,7 +6795,7 @@
               <a:blipFill>
                 <a:blip r:embed="rId5"/>
                 <a:stretch>
-                  <a:fillRect l="-1244" t="-2174"/>
+                  <a:fillRect l="-1400" t="-1812"/>
                 </a:stretch>
               </a:blipFill>
             </p:spPr>
@@ -6452,6 +6814,36 @@
           </p:sp>
         </mc:Fallback>
       </mc:AlternateContent>
+      <p:pic>
+        <p:nvPicPr>
+          <p:cNvPr id="3" name="圖片 2">
+            <a:extLst>
+              <a:ext uri="{FF2B5EF4-FFF2-40B4-BE49-F238E27FC236}">
+                <a16:creationId xmlns:a16="http://schemas.microsoft.com/office/drawing/2014/main" id="{36C9FE9B-87DB-4915-A864-DBD60B7B1C88}"/>
+              </a:ext>
+            </a:extLst>
+          </p:cNvPr>
+          <p:cNvPicPr>
+            <a:picLocks noChangeAspect="1"/>
+          </p:cNvPicPr>
+          <p:nvPr/>
+        </p:nvPicPr>
+        <p:blipFill>
+          <a:blip r:embed="rId6"/>
+          <a:stretch>
+            <a:fillRect/>
+          </a:stretch>
+        </p:blipFill>
+        <p:spPr>
+          <a:xfrm>
+            <a:off x="4222073" y="2318391"/>
+            <a:ext cx="2715004" cy="876422"/>
+          </a:xfrm>
+          <a:prstGeom prst="rect">
+            <a:avLst/>
+          </a:prstGeom>
+        </p:spPr>
+      </p:pic>
     </p:spTree>
     <p:extLst>
       <p:ext uri="{BB962C8B-B14F-4D97-AF65-F5344CB8AC3E}">

--- a/path_planing/VO_code_try/robot_properties.pptx
+++ b/path_planing/VO_code_try/robot_properties.pptx
@@ -260,7 +260,7 @@
           <a:p>
             <a:fld id="{DE3612CD-9713-490C-ACCE-E26AB0B306C7}" type="datetimeFigureOut">
               <a:rPr lang="zh-TW" altLang="en-US" smtClean="0"/>
-              <a:t>2024/2/6</a:t>
+              <a:t>2024/2/10</a:t>
             </a:fld>
             <a:endParaRPr lang="zh-TW" altLang="en-US"/>
           </a:p>
@@ -458,7 +458,7 @@
           <a:p>
             <a:fld id="{DE3612CD-9713-490C-ACCE-E26AB0B306C7}" type="datetimeFigureOut">
               <a:rPr lang="zh-TW" altLang="en-US" smtClean="0"/>
-              <a:t>2024/2/6</a:t>
+              <a:t>2024/2/10</a:t>
             </a:fld>
             <a:endParaRPr lang="zh-TW" altLang="en-US"/>
           </a:p>
@@ -666,7 +666,7 @@
           <a:p>
             <a:fld id="{DE3612CD-9713-490C-ACCE-E26AB0B306C7}" type="datetimeFigureOut">
               <a:rPr lang="zh-TW" altLang="en-US" smtClean="0"/>
-              <a:t>2024/2/6</a:t>
+              <a:t>2024/2/10</a:t>
             </a:fld>
             <a:endParaRPr lang="zh-TW" altLang="en-US"/>
           </a:p>
@@ -864,7 +864,7 @@
           <a:p>
             <a:fld id="{DE3612CD-9713-490C-ACCE-E26AB0B306C7}" type="datetimeFigureOut">
               <a:rPr lang="zh-TW" altLang="en-US" smtClean="0"/>
-              <a:t>2024/2/6</a:t>
+              <a:t>2024/2/10</a:t>
             </a:fld>
             <a:endParaRPr lang="zh-TW" altLang="en-US"/>
           </a:p>
@@ -1139,7 +1139,7 @@
           <a:p>
             <a:fld id="{DE3612CD-9713-490C-ACCE-E26AB0B306C7}" type="datetimeFigureOut">
               <a:rPr lang="zh-TW" altLang="en-US" smtClean="0"/>
-              <a:t>2024/2/6</a:t>
+              <a:t>2024/2/10</a:t>
             </a:fld>
             <a:endParaRPr lang="zh-TW" altLang="en-US"/>
           </a:p>
@@ -1404,7 +1404,7 @@
           <a:p>
             <a:fld id="{DE3612CD-9713-490C-ACCE-E26AB0B306C7}" type="datetimeFigureOut">
               <a:rPr lang="zh-TW" altLang="en-US" smtClean="0"/>
-              <a:t>2024/2/6</a:t>
+              <a:t>2024/2/10</a:t>
             </a:fld>
             <a:endParaRPr lang="zh-TW" altLang="en-US"/>
           </a:p>
@@ -1816,7 +1816,7 @@
           <a:p>
             <a:fld id="{DE3612CD-9713-490C-ACCE-E26AB0B306C7}" type="datetimeFigureOut">
               <a:rPr lang="zh-TW" altLang="en-US" smtClean="0"/>
-              <a:t>2024/2/6</a:t>
+              <a:t>2024/2/10</a:t>
             </a:fld>
             <a:endParaRPr lang="zh-TW" altLang="en-US"/>
           </a:p>
@@ -1957,7 +1957,7 @@
           <a:p>
             <a:fld id="{DE3612CD-9713-490C-ACCE-E26AB0B306C7}" type="datetimeFigureOut">
               <a:rPr lang="zh-TW" altLang="en-US" smtClean="0"/>
-              <a:t>2024/2/6</a:t>
+              <a:t>2024/2/10</a:t>
             </a:fld>
             <a:endParaRPr lang="zh-TW" altLang="en-US"/>
           </a:p>
@@ -2070,7 +2070,7 @@
           <a:p>
             <a:fld id="{DE3612CD-9713-490C-ACCE-E26AB0B306C7}" type="datetimeFigureOut">
               <a:rPr lang="zh-TW" altLang="en-US" smtClean="0"/>
-              <a:t>2024/2/6</a:t>
+              <a:t>2024/2/10</a:t>
             </a:fld>
             <a:endParaRPr lang="zh-TW" altLang="en-US"/>
           </a:p>
@@ -2381,7 +2381,7 @@
           <a:p>
             <a:fld id="{DE3612CD-9713-490C-ACCE-E26AB0B306C7}" type="datetimeFigureOut">
               <a:rPr lang="zh-TW" altLang="en-US" smtClean="0"/>
-              <a:t>2024/2/6</a:t>
+              <a:t>2024/2/10</a:t>
             </a:fld>
             <a:endParaRPr lang="zh-TW" altLang="en-US"/>
           </a:p>
@@ -2669,7 +2669,7 @@
           <a:p>
             <a:fld id="{DE3612CD-9713-490C-ACCE-E26AB0B306C7}" type="datetimeFigureOut">
               <a:rPr lang="zh-TW" altLang="en-US" smtClean="0"/>
-              <a:t>2024/2/6</a:t>
+              <a:t>2024/2/10</a:t>
             </a:fld>
             <a:endParaRPr lang="zh-TW" altLang="en-US"/>
           </a:p>
@@ -2910,7 +2910,7 @@
           <a:p>
             <a:fld id="{DE3612CD-9713-490C-ACCE-E26AB0B306C7}" type="datetimeFigureOut">
               <a:rPr lang="zh-TW" altLang="en-US" smtClean="0"/>
-              <a:t>2024/2/6</a:t>
+              <a:t>2024/2/10</a:t>
             </a:fld>
             <a:endParaRPr lang="zh-TW" altLang="en-US"/>
           </a:p>
@@ -4148,7 +4148,7 @@
         <p:spPr>
           <a:xfrm>
             <a:off x="313267" y="194733"/>
-            <a:ext cx="5401733" cy="4801314"/>
+            <a:ext cx="5401733" cy="5909310"/>
           </a:xfrm>
           <a:prstGeom prst="rect">
             <a:avLst/>
@@ -4440,6 +4440,38 @@
               <a:rPr lang="en-US" altLang="zh-TW" dirty="0"/>
               <a:t>vector</a:t>
             </a:r>
+          </a:p>
+          <a:p>
+            <a:endParaRPr lang="en-US" altLang="zh-TW" dirty="0"/>
+          </a:p>
+          <a:p>
+            <a:r>
+              <a:rPr lang="zh-TW" altLang="en-US" dirty="0"/>
+              <a:t>限制</a:t>
+            </a:r>
+            <a:endParaRPr lang="en-US" altLang="zh-TW" dirty="0"/>
+          </a:p>
+          <a:p>
+            <a:pPr marL="285750" indent="-285750">
+              <a:buFont typeface="Arial" panose="020B0604020202020204" pitchFamily="34" charset="0"/>
+              <a:buChar char="•"/>
+            </a:pPr>
+            <a:r>
+              <a:rPr lang="zh-TW" altLang="en-US" dirty="0"/>
+              <a:t>加速度</a:t>
+            </a:r>
+            <a:endParaRPr lang="en-US" altLang="zh-TW" dirty="0"/>
+          </a:p>
+          <a:p>
+            <a:pPr marL="285750" indent="-285750">
+              <a:buFont typeface="Arial" panose="020B0604020202020204" pitchFamily="34" charset="0"/>
+              <a:buChar char="•"/>
+            </a:pPr>
+            <a:r>
+              <a:rPr lang="zh-TW" altLang="en-US"/>
+              <a:t>最大速度</a:t>
+            </a:r>
+            <a:endParaRPr lang="en-US" altLang="zh-TW" dirty="0"/>
           </a:p>
           <a:p>
             <a:pPr marL="285750" indent="-285750">
@@ -5964,8 +5996,8 @@
           </p:txBody>
         </p:sp>
       </p:grpSp>
-      <mc:AlternateContent xmlns:mc="http://schemas.openxmlformats.org/markup-compatibility/2006">
-        <mc:Choice xmlns:a14="http://schemas.microsoft.com/office/drawing/2010/main" Requires="a14">
+      <mc:AlternateContent xmlns:mc="http://schemas.openxmlformats.org/markup-compatibility/2006" xmlns:a14="http://schemas.microsoft.com/office/drawing/2010/main">
+        <mc:Choice Requires="a14">
           <p:sp>
             <p:nvSpPr>
               <p:cNvPr id="61" name="文字方塊 60">
@@ -6000,7 +6032,6 @@
                 </a:r>
               </a:p>
               <a:p>
-                <a:pPr/>
                 <a14:m>
                   <m:oMath xmlns:m="http://schemas.openxmlformats.org/officeDocument/2006/math">
                     <m:r>
@@ -6493,7 +6524,7 @@
             </p:txBody>
           </p:sp>
         </mc:Choice>
-        <mc:Fallback>
+        <mc:Fallback xmlns="">
           <p:sp>
             <p:nvSpPr>
               <p:cNvPr id="61" name="文字方塊 60">
@@ -6538,8 +6569,8 @@
           </p:sp>
         </mc:Fallback>
       </mc:AlternateContent>
-      <mc:AlternateContent xmlns:mc="http://schemas.openxmlformats.org/markup-compatibility/2006">
-        <mc:Choice xmlns:a14="http://schemas.microsoft.com/office/drawing/2010/main" Requires="a14">
+      <mc:AlternateContent xmlns:mc="http://schemas.openxmlformats.org/markup-compatibility/2006" xmlns:a14="http://schemas.microsoft.com/office/drawing/2010/main">
+        <mc:Choice Requires="a14">
           <p:sp>
             <p:nvSpPr>
               <p:cNvPr id="62" name="文字方塊 61">
@@ -6769,7 +6800,7 @@
             </p:txBody>
           </p:sp>
         </mc:Choice>
-        <mc:Fallback>
+        <mc:Fallback xmlns="">
           <p:sp>
             <p:nvSpPr>
               <p:cNvPr id="62" name="文字方塊 61">
